--- a/pptagent/evaluation/benchmark_ppts/slide_7.pptx
+++ b/pptagent/evaluation/benchmark_ppts/slide_7.pptx
@@ -1,6 +1,6 @@
 
 <file path=ppt/presentation.xml><?xml version="1.0" encoding="utf-8"?>
-<p:presentation xmlns:a="http://schemas.openxmlformats.org/drawingml/2006/main" xmlns:r="http://schemas.openxmlformats.org/officeDocument/2006/relationships" xmlns:p="http://schemas.openxmlformats.org/presentationml/2006/main" removePersonalInfoOnSave="1" saveSubsetFonts="1" autoCompressPictures="0">
+<p:presentation xmlns:a="http://schemas.openxmlformats.org/drawingml/2006/main" xmlns:r="http://schemas.openxmlformats.org/officeDocument/2006/relationships" xmlns:p="http://schemas.openxmlformats.org/presentationml/2006/main" saveSubsetFonts="1" autoCompressPictures="0">
   <p:sldMasterIdLst>
     <p:sldMasterId id="2147483744" r:id="rId4"/>
   </p:sldMasterIdLst>
@@ -200,7 +200,7 @@
           <a:p>
             <a:fld id="{348DA23F-9FA0-4BB2-B89B-4D983D446089}" type="datetimeFigureOut">
               <a:rPr lang="en-US" smtClean="0"/>
-              <a:t>5/7/2025</a:t>
+              <a:t>5/10/2025</a:t>
             </a:fld>
             <a:endParaRPr lang="en-US" dirty="0"/>
           </a:p>
@@ -8002,6 +8002,34 @@
 </file>
 
 <file path=customXml/item1.xml><?xml version="1.0" encoding="utf-8"?>
+<?mso-contentType ?>
+<FormTemplates xmlns="http://schemas.microsoft.com/sharepoint/v3/contenttype/forms">
+  <Display>DocumentLibraryForm</Display>
+  <Edit>DocumentLibraryForm</Edit>
+  <New>DocumentLibraryForm</New>
+</FormTemplates>
+</file>
+
+<file path=customXml/item2.xml><?xml version="1.0" encoding="utf-8"?>
+<p:properties xmlns:p="http://schemas.microsoft.com/office/2006/metadata/properties" xmlns:xsi="http://www.w3.org/2001/XMLSchema-instance" xmlns:pc="http://schemas.microsoft.com/office/infopath/2007/PartnerControls">
+  <documentManagement>
+    <_ip_UnifiedCompliancePolicyUIAction xmlns="http://schemas.microsoft.com/sharepoint/v3" xsi:nil="true"/>
+    <Image xmlns="71af3243-3dd4-4a8d-8c0d-dd76da1f02a5">
+      <Url xsi:nil="true"/>
+      <Description xsi:nil="true"/>
+    </Image>
+    <Status xmlns="71af3243-3dd4-4a8d-8c0d-dd76da1f02a5">Not started</Status>
+    <_ip_UnifiedCompliancePolicyProperties xmlns="http://schemas.microsoft.com/sharepoint/v3" xsi:nil="true"/>
+    <lcf76f155ced4ddcb4097134ff3c332f xmlns="71af3243-3dd4-4a8d-8c0d-dd76da1f02a5">
+      <Terms xmlns="http://schemas.microsoft.com/office/infopath/2007/PartnerControls"/>
+    </lcf76f155ced4ddcb4097134ff3c332f>
+    <TaxCatchAll xmlns="230e9df3-be65-4c73-a93b-d1236ebd677e"/>
+    <MediaServiceKeyPoints xmlns="71af3243-3dd4-4a8d-8c0d-dd76da1f02a5" xsi:nil="true"/>
+  </documentManagement>
+</p:properties>
+</file>
+
+<file path=customXml/item3.xml><?xml version="1.0" encoding="utf-8"?>
 <ct:contentTypeSchema xmlns:ct="http://schemas.microsoft.com/office/2006/metadata/contentType" xmlns:ma="http://schemas.microsoft.com/office/2006/metadata/properties/metaAttributes" ct:_="" ma:_="" ma:contentTypeName="Document" ma:contentTypeID="0x01010079F111ED35F8CC479449609E8A0923A6" ma:contentTypeVersion="18" ma:contentTypeDescription="Create a new document." ma:contentTypeScope="" ma:versionID="22a266b9fa9a230c5a512669d8b298c3">
   <xsd:schema xmlns:xsd="http://www.w3.org/2001/XMLSchema" xmlns:xs="http://www.w3.org/2001/XMLSchema" xmlns:p="http://schemas.microsoft.com/office/2006/metadata/properties" xmlns:ns1="http://schemas.microsoft.com/sharepoint/v3" xmlns:ns2="71af3243-3dd4-4a8d-8c0d-dd76da1f02a5" xmlns:ns3="16c05727-aa75-4e4a-9b5f-8a80a1165891" xmlns:ns4="230e9df3-be65-4c73-a93b-d1236ebd677e" targetNamespace="http://schemas.microsoft.com/office/2006/metadata/properties" ma:root="true" ma:fieldsID="eddc33fff6b14141ee5c74a0d29ea6a1" ns1:_="" ns2:_="" ns3:_="" ns4:_="">
     <xsd:import namespace="http://schemas.microsoft.com/sharepoint/v3"/>
@@ -8277,35 +8305,27 @@
 </ct:contentTypeSchema>
 </file>
 
-<file path=customXml/item2.xml><?xml version="1.0" encoding="utf-8"?>
-<p:properties xmlns:p="http://schemas.microsoft.com/office/2006/metadata/properties" xmlns:xsi="http://www.w3.org/2001/XMLSchema-instance" xmlns:pc="http://schemas.microsoft.com/office/infopath/2007/PartnerControls">
-  <documentManagement>
-    <_ip_UnifiedCompliancePolicyUIAction xmlns="http://schemas.microsoft.com/sharepoint/v3" xsi:nil="true"/>
-    <Image xmlns="71af3243-3dd4-4a8d-8c0d-dd76da1f02a5">
-      <Url xsi:nil="true"/>
-      <Description xsi:nil="true"/>
-    </Image>
-    <Status xmlns="71af3243-3dd4-4a8d-8c0d-dd76da1f02a5">Not started</Status>
-    <_ip_UnifiedCompliancePolicyProperties xmlns="http://schemas.microsoft.com/sharepoint/v3" xsi:nil="true"/>
-    <lcf76f155ced4ddcb4097134ff3c332f xmlns="71af3243-3dd4-4a8d-8c0d-dd76da1f02a5">
-      <Terms xmlns="http://schemas.microsoft.com/office/infopath/2007/PartnerControls"/>
-    </lcf76f155ced4ddcb4097134ff3c332f>
-    <TaxCatchAll xmlns="230e9df3-be65-4c73-a93b-d1236ebd677e"/>
-    <MediaServiceKeyPoints xmlns="71af3243-3dd4-4a8d-8c0d-dd76da1f02a5" xsi:nil="true"/>
-  </documentManagement>
-</p:properties>
+<file path=customXml/itemProps1.xml><?xml version="1.0" encoding="utf-8"?>
+<ds:datastoreItem xmlns:ds="http://schemas.openxmlformats.org/officeDocument/2006/customXml" ds:itemID="{35F2F1B0-A2C1-4287-BF24-71D3400DD7C5}">
+  <ds:schemaRefs>
+    <ds:schemaRef ds:uri="http://schemas.microsoft.com/sharepoint/v3/contenttype/forms"/>
+  </ds:schemaRefs>
+</ds:datastoreItem>
 </file>
 
-<file path=customXml/item3.xml><?xml version="1.0" encoding="utf-8"?>
-<?mso-contentType ?>
-<FormTemplates xmlns="http://schemas.microsoft.com/sharepoint/v3/contenttype/forms">
-  <Display>DocumentLibraryForm</Display>
-  <Edit>DocumentLibraryForm</Edit>
-  <New>DocumentLibraryForm</New>
-</FormTemplates>
+<file path=customXml/itemProps2.xml><?xml version="1.0" encoding="utf-8"?>
+<ds:datastoreItem xmlns:ds="http://schemas.openxmlformats.org/officeDocument/2006/customXml" ds:itemID="{B812FA17-E7B0-403B-A46B-50242E5D77CA}">
+  <ds:schemaRefs>
+    <ds:schemaRef ds:uri="http://schemas.microsoft.com/office/2006/metadata/properties"/>
+    <ds:schemaRef ds:uri="http://schemas.microsoft.com/office/infopath/2007/PartnerControls"/>
+    <ds:schemaRef ds:uri="http://schemas.microsoft.com/sharepoint/v3"/>
+    <ds:schemaRef ds:uri="71af3243-3dd4-4a8d-8c0d-dd76da1f02a5"/>
+    <ds:schemaRef ds:uri="230e9df3-be65-4c73-a93b-d1236ebd677e"/>
+  </ds:schemaRefs>
+</ds:datastoreItem>
 </file>
 
-<file path=customXml/itemProps1.xml><?xml version="1.0" encoding="utf-8"?>
+<file path=customXml/itemProps3.xml><?xml version="1.0" encoding="utf-8"?>
 <ds:datastoreItem xmlns:ds="http://schemas.openxmlformats.org/officeDocument/2006/customXml" ds:itemID="{BE4D7882-D21E-4054-81AE-3CFC8D649F1D}">
   <ds:schemaRefs>
     <ds:schemaRef ds:uri="http://schemas.microsoft.com/office/2006/metadata/contentType"/>
@@ -8324,24 +8344,4 @@
     <ds:schemaRef ds:uri="http://schemas.microsoft.com/internal/obd"/>
   </ds:schemaRefs>
 </ds:datastoreItem>
-</file>
-
-<file path=customXml/itemProps2.xml><?xml version="1.0" encoding="utf-8"?>
-<ds:datastoreItem xmlns:ds="http://schemas.openxmlformats.org/officeDocument/2006/customXml" ds:itemID="{B812FA17-E7B0-403B-A46B-50242E5D77CA}">
-  <ds:schemaRefs>
-    <ds:schemaRef ds:uri="http://schemas.microsoft.com/office/2006/metadata/properties"/>
-    <ds:schemaRef ds:uri="http://schemas.microsoft.com/office/infopath/2007/PartnerControls"/>
-    <ds:schemaRef ds:uri="http://schemas.microsoft.com/sharepoint/v3"/>
-    <ds:schemaRef ds:uri="71af3243-3dd4-4a8d-8c0d-dd76da1f02a5"/>
-    <ds:schemaRef ds:uri="230e9df3-be65-4c73-a93b-d1236ebd677e"/>
-  </ds:schemaRefs>
-</ds:datastoreItem>
-</file>
-
-<file path=customXml/itemProps3.xml><?xml version="1.0" encoding="utf-8"?>
-<ds:datastoreItem xmlns:ds="http://schemas.openxmlformats.org/officeDocument/2006/customXml" ds:itemID="{35F2F1B0-A2C1-4287-BF24-71D3400DD7C5}">
-  <ds:schemaRefs>
-    <ds:schemaRef ds:uri="http://schemas.microsoft.com/sharepoint/v3/contenttype/forms"/>
-  </ds:schemaRefs>
-</ds:datastoreItem>
 </file>